--- a/pptx/05.pptx
+++ b/pptx/05.pptx
@@ -5,9 +5,10 @@
     <p:sldMasterId id="2147483648" r:id="rId1"/>
   </p:sldMasterIdLst>
   <p:sldIdLst>
-    <p:sldId id="256" r:id="rId2"/>
-    <p:sldId id="257" r:id="rId3"/>
-    <p:sldId id="258" r:id="rId4"/>
+    <p:sldId id="259" r:id="rId2"/>
+    <p:sldId id="256" r:id="rId3"/>
+    <p:sldId id="257" r:id="rId4"/>
+    <p:sldId id="258" r:id="rId5"/>
   </p:sldIdLst>
   <p:sldSz cx="12192000" cy="6858000"/>
   <p:notesSz cx="6858000" cy="9144000"/>
@@ -156,10 +157,9 @@
           </a:lstStyle>
           <a:p>
             <a:r>
-              <a:rPr kumimoji="1" lang="ja-JP" altLang="en-US" smtClean="0"/>
+              <a:rPr kumimoji="1" lang="ja-JP" altLang="en-US"/>
               <a:t>マスター タイトルの書式設定</a:t>
             </a:r>
-            <a:endParaRPr kumimoji="1" lang="ja-JP" altLang="en-US"/>
           </a:p>
         </p:txBody>
       </p:sp>
@@ -221,10 +221,9 @@
           </a:lstStyle>
           <a:p>
             <a:r>
-              <a:rPr kumimoji="1" lang="ja-JP" altLang="en-US" smtClean="0"/>
+              <a:rPr kumimoji="1" lang="ja-JP" altLang="en-US"/>
               <a:t>マスター サブタイトルの書式設定</a:t>
             </a:r>
-            <a:endParaRPr kumimoji="1" lang="ja-JP" altLang="en-US"/>
           </a:p>
         </p:txBody>
       </p:sp>
@@ -245,7 +244,7 @@
           <a:p>
             <a:fld id="{282DC0F4-7006-4961-BC85-0760920A44BC}" type="datetimeFigureOut">
               <a:rPr kumimoji="1" lang="ja-JP" altLang="en-US" smtClean="0"/>
-              <a:t>2016/5/2</a:t>
+              <a:t>2017/3/30</a:t>
             </a:fld>
             <a:endParaRPr kumimoji="1" lang="ja-JP" altLang="en-US"/>
           </a:p>
@@ -339,10 +338,9 @@
           <a:lstStyle/>
           <a:p>
             <a:r>
-              <a:rPr kumimoji="1" lang="ja-JP" altLang="en-US" smtClean="0"/>
+              <a:rPr kumimoji="1" lang="ja-JP" altLang="en-US"/>
               <a:t>マスター タイトルの書式設定</a:t>
             </a:r>
-            <a:endParaRPr kumimoji="1" lang="ja-JP" altLang="en-US"/>
           </a:p>
         </p:txBody>
       </p:sp>
@@ -363,70 +361,69 @@
           <a:p>
             <a:pPr lvl="0"/>
             <a:r>
-              <a:rPr kumimoji="1" lang="ja-JP" altLang="en-US" smtClean="0"/>
+              <a:rPr kumimoji="1" lang="ja-JP" altLang="en-US"/>
               <a:t>マスター テキストの書式設定</a:t>
             </a:r>
           </a:p>
           <a:p>
             <a:pPr lvl="1"/>
             <a:r>
-              <a:rPr kumimoji="1" lang="ja-JP" altLang="en-US" smtClean="0"/>
+              <a:rPr kumimoji="1" lang="ja-JP" altLang="en-US"/>
               <a:t>第 </a:t>
             </a:r>
             <a:r>
-              <a:rPr kumimoji="1" lang="en-US" altLang="ja-JP" smtClean="0"/>
+              <a:rPr kumimoji="1" lang="en-US" altLang="ja-JP"/>
               <a:t>2 </a:t>
             </a:r>
             <a:r>
-              <a:rPr kumimoji="1" lang="ja-JP" altLang="en-US" smtClean="0"/>
+              <a:rPr kumimoji="1" lang="ja-JP" altLang="en-US"/>
               <a:t>レベル</a:t>
             </a:r>
           </a:p>
           <a:p>
             <a:pPr lvl="2"/>
             <a:r>
-              <a:rPr kumimoji="1" lang="ja-JP" altLang="en-US" smtClean="0"/>
+              <a:rPr kumimoji="1" lang="ja-JP" altLang="en-US"/>
               <a:t>第 </a:t>
             </a:r>
             <a:r>
-              <a:rPr kumimoji="1" lang="en-US" altLang="ja-JP" smtClean="0"/>
+              <a:rPr kumimoji="1" lang="en-US" altLang="ja-JP"/>
               <a:t>3 </a:t>
             </a:r>
             <a:r>
-              <a:rPr kumimoji="1" lang="ja-JP" altLang="en-US" smtClean="0"/>
+              <a:rPr kumimoji="1" lang="ja-JP" altLang="en-US"/>
               <a:t>レベル</a:t>
             </a:r>
           </a:p>
           <a:p>
             <a:pPr lvl="3"/>
             <a:r>
-              <a:rPr kumimoji="1" lang="ja-JP" altLang="en-US" smtClean="0"/>
+              <a:rPr kumimoji="1" lang="ja-JP" altLang="en-US"/>
               <a:t>第 </a:t>
             </a:r>
             <a:r>
-              <a:rPr kumimoji="1" lang="en-US" altLang="ja-JP" smtClean="0"/>
+              <a:rPr kumimoji="1" lang="en-US" altLang="ja-JP"/>
               <a:t>4 </a:t>
             </a:r>
             <a:r>
-              <a:rPr kumimoji="1" lang="ja-JP" altLang="en-US" smtClean="0"/>
+              <a:rPr kumimoji="1" lang="ja-JP" altLang="en-US"/>
               <a:t>レベル</a:t>
             </a:r>
           </a:p>
           <a:p>
             <a:pPr lvl="4"/>
             <a:r>
-              <a:rPr kumimoji="1" lang="ja-JP" altLang="en-US" smtClean="0"/>
+              <a:rPr kumimoji="1" lang="ja-JP" altLang="en-US"/>
               <a:t>第 </a:t>
             </a:r>
             <a:r>
-              <a:rPr kumimoji="1" lang="en-US" altLang="ja-JP" smtClean="0"/>
+              <a:rPr kumimoji="1" lang="en-US" altLang="ja-JP"/>
               <a:t>5 </a:t>
             </a:r>
             <a:r>
-              <a:rPr kumimoji="1" lang="ja-JP" altLang="en-US" smtClean="0"/>
+              <a:rPr kumimoji="1" lang="ja-JP" altLang="en-US"/>
               <a:t>レベル</a:t>
             </a:r>
-            <a:endParaRPr kumimoji="1" lang="ja-JP" altLang="en-US"/>
           </a:p>
         </p:txBody>
       </p:sp>
@@ -447,7 +444,7 @@
           <a:p>
             <a:fld id="{282DC0F4-7006-4961-BC85-0760920A44BC}" type="datetimeFigureOut">
               <a:rPr kumimoji="1" lang="ja-JP" altLang="en-US" smtClean="0"/>
-              <a:t>2016/5/2</a:t>
+              <a:t>2017/3/30</a:t>
             </a:fld>
             <a:endParaRPr kumimoji="1" lang="ja-JP" altLang="en-US"/>
           </a:p>
@@ -546,10 +543,9 @@
           <a:lstStyle/>
           <a:p>
             <a:r>
-              <a:rPr kumimoji="1" lang="ja-JP" altLang="en-US" smtClean="0"/>
+              <a:rPr kumimoji="1" lang="ja-JP" altLang="en-US"/>
               <a:t>マスター タイトルの書式設定</a:t>
             </a:r>
-            <a:endParaRPr kumimoji="1" lang="ja-JP" altLang="en-US"/>
           </a:p>
         </p:txBody>
       </p:sp>
@@ -575,70 +571,69 @@
           <a:p>
             <a:pPr lvl="0"/>
             <a:r>
-              <a:rPr kumimoji="1" lang="ja-JP" altLang="en-US" smtClean="0"/>
+              <a:rPr kumimoji="1" lang="ja-JP" altLang="en-US"/>
               <a:t>マスター テキストの書式設定</a:t>
             </a:r>
           </a:p>
           <a:p>
             <a:pPr lvl="1"/>
             <a:r>
-              <a:rPr kumimoji="1" lang="ja-JP" altLang="en-US" smtClean="0"/>
+              <a:rPr kumimoji="1" lang="ja-JP" altLang="en-US"/>
               <a:t>第 </a:t>
             </a:r>
             <a:r>
-              <a:rPr kumimoji="1" lang="en-US" altLang="ja-JP" smtClean="0"/>
+              <a:rPr kumimoji="1" lang="en-US" altLang="ja-JP"/>
               <a:t>2 </a:t>
             </a:r>
             <a:r>
-              <a:rPr kumimoji="1" lang="ja-JP" altLang="en-US" smtClean="0"/>
+              <a:rPr kumimoji="1" lang="ja-JP" altLang="en-US"/>
               <a:t>レベル</a:t>
             </a:r>
           </a:p>
           <a:p>
             <a:pPr lvl="2"/>
             <a:r>
-              <a:rPr kumimoji="1" lang="ja-JP" altLang="en-US" smtClean="0"/>
+              <a:rPr kumimoji="1" lang="ja-JP" altLang="en-US"/>
               <a:t>第 </a:t>
             </a:r>
             <a:r>
-              <a:rPr kumimoji="1" lang="en-US" altLang="ja-JP" smtClean="0"/>
+              <a:rPr kumimoji="1" lang="en-US" altLang="ja-JP"/>
               <a:t>3 </a:t>
             </a:r>
             <a:r>
-              <a:rPr kumimoji="1" lang="ja-JP" altLang="en-US" smtClean="0"/>
+              <a:rPr kumimoji="1" lang="ja-JP" altLang="en-US"/>
               <a:t>レベル</a:t>
             </a:r>
           </a:p>
           <a:p>
             <a:pPr lvl="3"/>
             <a:r>
-              <a:rPr kumimoji="1" lang="ja-JP" altLang="en-US" smtClean="0"/>
+              <a:rPr kumimoji="1" lang="ja-JP" altLang="en-US"/>
               <a:t>第 </a:t>
             </a:r>
             <a:r>
-              <a:rPr kumimoji="1" lang="en-US" altLang="ja-JP" smtClean="0"/>
+              <a:rPr kumimoji="1" lang="en-US" altLang="ja-JP"/>
               <a:t>4 </a:t>
             </a:r>
             <a:r>
-              <a:rPr kumimoji="1" lang="ja-JP" altLang="en-US" smtClean="0"/>
+              <a:rPr kumimoji="1" lang="ja-JP" altLang="en-US"/>
               <a:t>レベル</a:t>
             </a:r>
           </a:p>
           <a:p>
             <a:pPr lvl="4"/>
             <a:r>
-              <a:rPr kumimoji="1" lang="ja-JP" altLang="en-US" smtClean="0"/>
+              <a:rPr kumimoji="1" lang="ja-JP" altLang="en-US"/>
               <a:t>第 </a:t>
             </a:r>
             <a:r>
-              <a:rPr kumimoji="1" lang="en-US" altLang="ja-JP" smtClean="0"/>
+              <a:rPr kumimoji="1" lang="en-US" altLang="ja-JP"/>
               <a:t>5 </a:t>
             </a:r>
             <a:r>
-              <a:rPr kumimoji="1" lang="ja-JP" altLang="en-US" smtClean="0"/>
+              <a:rPr kumimoji="1" lang="ja-JP" altLang="en-US"/>
               <a:t>レベル</a:t>
             </a:r>
-            <a:endParaRPr kumimoji="1" lang="ja-JP" altLang="en-US"/>
           </a:p>
         </p:txBody>
       </p:sp>
@@ -659,7 +654,7 @@
           <a:p>
             <a:fld id="{282DC0F4-7006-4961-BC85-0760920A44BC}" type="datetimeFigureOut">
               <a:rPr kumimoji="1" lang="ja-JP" altLang="en-US" smtClean="0"/>
-              <a:t>2016/5/2</a:t>
+              <a:t>2017/3/30</a:t>
             </a:fld>
             <a:endParaRPr kumimoji="1" lang="ja-JP" altLang="en-US"/>
           </a:p>
@@ -753,10 +748,9 @@
           <a:lstStyle/>
           <a:p>
             <a:r>
-              <a:rPr kumimoji="1" lang="ja-JP" altLang="en-US" smtClean="0"/>
+              <a:rPr kumimoji="1" lang="ja-JP" altLang="en-US"/>
               <a:t>マスター タイトルの書式設定</a:t>
             </a:r>
-            <a:endParaRPr kumimoji="1" lang="ja-JP" altLang="en-US"/>
           </a:p>
         </p:txBody>
       </p:sp>
@@ -777,70 +771,69 @@
           <a:p>
             <a:pPr lvl="0"/>
             <a:r>
-              <a:rPr kumimoji="1" lang="ja-JP" altLang="en-US" smtClean="0"/>
+              <a:rPr kumimoji="1" lang="ja-JP" altLang="en-US"/>
               <a:t>マスター テキストの書式設定</a:t>
             </a:r>
           </a:p>
           <a:p>
             <a:pPr lvl="1"/>
             <a:r>
-              <a:rPr kumimoji="1" lang="ja-JP" altLang="en-US" smtClean="0"/>
+              <a:rPr kumimoji="1" lang="ja-JP" altLang="en-US"/>
               <a:t>第 </a:t>
             </a:r>
             <a:r>
-              <a:rPr kumimoji="1" lang="en-US" altLang="ja-JP" smtClean="0"/>
+              <a:rPr kumimoji="1" lang="en-US" altLang="ja-JP"/>
               <a:t>2 </a:t>
             </a:r>
             <a:r>
-              <a:rPr kumimoji="1" lang="ja-JP" altLang="en-US" smtClean="0"/>
+              <a:rPr kumimoji="1" lang="ja-JP" altLang="en-US"/>
               <a:t>レベル</a:t>
             </a:r>
           </a:p>
           <a:p>
             <a:pPr lvl="2"/>
             <a:r>
-              <a:rPr kumimoji="1" lang="ja-JP" altLang="en-US" smtClean="0"/>
+              <a:rPr kumimoji="1" lang="ja-JP" altLang="en-US"/>
               <a:t>第 </a:t>
             </a:r>
             <a:r>
-              <a:rPr kumimoji="1" lang="en-US" altLang="ja-JP" smtClean="0"/>
+              <a:rPr kumimoji="1" lang="en-US" altLang="ja-JP"/>
               <a:t>3 </a:t>
             </a:r>
             <a:r>
-              <a:rPr kumimoji="1" lang="ja-JP" altLang="en-US" smtClean="0"/>
+              <a:rPr kumimoji="1" lang="ja-JP" altLang="en-US"/>
               <a:t>レベル</a:t>
             </a:r>
           </a:p>
           <a:p>
             <a:pPr lvl="3"/>
             <a:r>
-              <a:rPr kumimoji="1" lang="ja-JP" altLang="en-US" smtClean="0"/>
+              <a:rPr kumimoji="1" lang="ja-JP" altLang="en-US"/>
               <a:t>第 </a:t>
             </a:r>
             <a:r>
-              <a:rPr kumimoji="1" lang="en-US" altLang="ja-JP" smtClean="0"/>
+              <a:rPr kumimoji="1" lang="en-US" altLang="ja-JP"/>
               <a:t>4 </a:t>
             </a:r>
             <a:r>
-              <a:rPr kumimoji="1" lang="ja-JP" altLang="en-US" smtClean="0"/>
+              <a:rPr kumimoji="1" lang="ja-JP" altLang="en-US"/>
               <a:t>レベル</a:t>
             </a:r>
           </a:p>
           <a:p>
             <a:pPr lvl="4"/>
             <a:r>
-              <a:rPr kumimoji="1" lang="ja-JP" altLang="en-US" smtClean="0"/>
+              <a:rPr kumimoji="1" lang="ja-JP" altLang="en-US"/>
               <a:t>第 </a:t>
             </a:r>
             <a:r>
-              <a:rPr kumimoji="1" lang="en-US" altLang="ja-JP" smtClean="0"/>
+              <a:rPr kumimoji="1" lang="en-US" altLang="ja-JP"/>
               <a:t>5 </a:t>
             </a:r>
             <a:r>
-              <a:rPr kumimoji="1" lang="ja-JP" altLang="en-US" smtClean="0"/>
+              <a:rPr kumimoji="1" lang="ja-JP" altLang="en-US"/>
               <a:t>レベル</a:t>
             </a:r>
-            <a:endParaRPr kumimoji="1" lang="ja-JP" altLang="en-US"/>
           </a:p>
         </p:txBody>
       </p:sp>
@@ -861,7 +854,7 @@
           <a:p>
             <a:fld id="{282DC0F4-7006-4961-BC85-0760920A44BC}" type="datetimeFigureOut">
               <a:rPr kumimoji="1" lang="ja-JP" altLang="en-US" smtClean="0"/>
-              <a:t>2016/5/2</a:t>
+              <a:t>2017/3/30</a:t>
             </a:fld>
             <a:endParaRPr kumimoji="1" lang="ja-JP" altLang="en-US"/>
           </a:p>
@@ -964,10 +957,9 @@
           </a:lstStyle>
           <a:p>
             <a:r>
-              <a:rPr kumimoji="1" lang="ja-JP" altLang="en-US" smtClean="0"/>
+              <a:rPr kumimoji="1" lang="ja-JP" altLang="en-US"/>
               <a:t>マスター タイトルの書式設定</a:t>
             </a:r>
-            <a:endParaRPr kumimoji="1" lang="ja-JP" altLang="en-US"/>
           </a:p>
         </p:txBody>
       </p:sp>
@@ -1084,7 +1076,7 @@
           <a:p>
             <a:pPr lvl="0"/>
             <a:r>
-              <a:rPr kumimoji="1" lang="ja-JP" altLang="en-US" smtClean="0"/>
+              <a:rPr kumimoji="1" lang="ja-JP" altLang="en-US"/>
               <a:t>マスター テキストの書式設定</a:t>
             </a:r>
           </a:p>
@@ -1107,7 +1099,7 @@
           <a:p>
             <a:fld id="{282DC0F4-7006-4961-BC85-0760920A44BC}" type="datetimeFigureOut">
               <a:rPr kumimoji="1" lang="ja-JP" altLang="en-US" smtClean="0"/>
-              <a:t>2016/5/2</a:t>
+              <a:t>2017/3/30</a:t>
             </a:fld>
             <a:endParaRPr kumimoji="1" lang="ja-JP" altLang="en-US"/>
           </a:p>
@@ -1201,10 +1193,9 @@
           <a:lstStyle/>
           <a:p>
             <a:r>
-              <a:rPr kumimoji="1" lang="ja-JP" altLang="en-US" smtClean="0"/>
+              <a:rPr kumimoji="1" lang="ja-JP" altLang="en-US"/>
               <a:t>マスター タイトルの書式設定</a:t>
             </a:r>
-            <a:endParaRPr kumimoji="1" lang="ja-JP" altLang="en-US"/>
           </a:p>
         </p:txBody>
       </p:sp>
@@ -1230,70 +1221,69 @@
           <a:p>
             <a:pPr lvl="0"/>
             <a:r>
-              <a:rPr kumimoji="1" lang="ja-JP" altLang="en-US" smtClean="0"/>
+              <a:rPr kumimoji="1" lang="ja-JP" altLang="en-US"/>
               <a:t>マスター テキストの書式設定</a:t>
             </a:r>
           </a:p>
           <a:p>
             <a:pPr lvl="1"/>
             <a:r>
-              <a:rPr kumimoji="1" lang="ja-JP" altLang="en-US" smtClean="0"/>
+              <a:rPr kumimoji="1" lang="ja-JP" altLang="en-US"/>
               <a:t>第 </a:t>
             </a:r>
             <a:r>
-              <a:rPr kumimoji="1" lang="en-US" altLang="ja-JP" smtClean="0"/>
+              <a:rPr kumimoji="1" lang="en-US" altLang="ja-JP"/>
               <a:t>2 </a:t>
             </a:r>
             <a:r>
-              <a:rPr kumimoji="1" lang="ja-JP" altLang="en-US" smtClean="0"/>
+              <a:rPr kumimoji="1" lang="ja-JP" altLang="en-US"/>
               <a:t>レベル</a:t>
             </a:r>
           </a:p>
           <a:p>
             <a:pPr lvl="2"/>
             <a:r>
-              <a:rPr kumimoji="1" lang="ja-JP" altLang="en-US" smtClean="0"/>
+              <a:rPr kumimoji="1" lang="ja-JP" altLang="en-US"/>
               <a:t>第 </a:t>
             </a:r>
             <a:r>
-              <a:rPr kumimoji="1" lang="en-US" altLang="ja-JP" smtClean="0"/>
+              <a:rPr kumimoji="1" lang="en-US" altLang="ja-JP"/>
               <a:t>3 </a:t>
             </a:r>
             <a:r>
-              <a:rPr kumimoji="1" lang="ja-JP" altLang="en-US" smtClean="0"/>
+              <a:rPr kumimoji="1" lang="ja-JP" altLang="en-US"/>
               <a:t>レベル</a:t>
             </a:r>
           </a:p>
           <a:p>
             <a:pPr lvl="3"/>
             <a:r>
-              <a:rPr kumimoji="1" lang="ja-JP" altLang="en-US" smtClean="0"/>
+              <a:rPr kumimoji="1" lang="ja-JP" altLang="en-US"/>
               <a:t>第 </a:t>
             </a:r>
             <a:r>
-              <a:rPr kumimoji="1" lang="en-US" altLang="ja-JP" smtClean="0"/>
+              <a:rPr kumimoji="1" lang="en-US" altLang="ja-JP"/>
               <a:t>4 </a:t>
             </a:r>
             <a:r>
-              <a:rPr kumimoji="1" lang="ja-JP" altLang="en-US" smtClean="0"/>
+              <a:rPr kumimoji="1" lang="ja-JP" altLang="en-US"/>
               <a:t>レベル</a:t>
             </a:r>
           </a:p>
           <a:p>
             <a:pPr lvl="4"/>
             <a:r>
-              <a:rPr kumimoji="1" lang="ja-JP" altLang="en-US" smtClean="0"/>
+              <a:rPr kumimoji="1" lang="ja-JP" altLang="en-US"/>
               <a:t>第 </a:t>
             </a:r>
             <a:r>
-              <a:rPr kumimoji="1" lang="en-US" altLang="ja-JP" smtClean="0"/>
+              <a:rPr kumimoji="1" lang="en-US" altLang="ja-JP"/>
               <a:t>5 </a:t>
             </a:r>
             <a:r>
-              <a:rPr kumimoji="1" lang="ja-JP" altLang="en-US" smtClean="0"/>
+              <a:rPr kumimoji="1" lang="ja-JP" altLang="en-US"/>
               <a:t>レベル</a:t>
             </a:r>
-            <a:endParaRPr kumimoji="1" lang="ja-JP" altLang="en-US"/>
           </a:p>
         </p:txBody>
       </p:sp>
@@ -1319,70 +1309,69 @@
           <a:p>
             <a:pPr lvl="0"/>
             <a:r>
-              <a:rPr kumimoji="1" lang="ja-JP" altLang="en-US" smtClean="0"/>
+              <a:rPr kumimoji="1" lang="ja-JP" altLang="en-US"/>
               <a:t>マスター テキストの書式設定</a:t>
             </a:r>
           </a:p>
           <a:p>
             <a:pPr lvl="1"/>
             <a:r>
-              <a:rPr kumimoji="1" lang="ja-JP" altLang="en-US" smtClean="0"/>
+              <a:rPr kumimoji="1" lang="ja-JP" altLang="en-US"/>
               <a:t>第 </a:t>
             </a:r>
             <a:r>
-              <a:rPr kumimoji="1" lang="en-US" altLang="ja-JP" smtClean="0"/>
+              <a:rPr kumimoji="1" lang="en-US" altLang="ja-JP"/>
               <a:t>2 </a:t>
             </a:r>
             <a:r>
-              <a:rPr kumimoji="1" lang="ja-JP" altLang="en-US" smtClean="0"/>
+              <a:rPr kumimoji="1" lang="ja-JP" altLang="en-US"/>
               <a:t>レベル</a:t>
             </a:r>
           </a:p>
           <a:p>
             <a:pPr lvl="2"/>
             <a:r>
-              <a:rPr kumimoji="1" lang="ja-JP" altLang="en-US" smtClean="0"/>
+              <a:rPr kumimoji="1" lang="ja-JP" altLang="en-US"/>
               <a:t>第 </a:t>
             </a:r>
             <a:r>
-              <a:rPr kumimoji="1" lang="en-US" altLang="ja-JP" smtClean="0"/>
+              <a:rPr kumimoji="1" lang="en-US" altLang="ja-JP"/>
               <a:t>3 </a:t>
             </a:r>
             <a:r>
-              <a:rPr kumimoji="1" lang="ja-JP" altLang="en-US" smtClean="0"/>
+              <a:rPr kumimoji="1" lang="ja-JP" altLang="en-US"/>
               <a:t>レベル</a:t>
             </a:r>
           </a:p>
           <a:p>
             <a:pPr lvl="3"/>
             <a:r>
-              <a:rPr kumimoji="1" lang="ja-JP" altLang="en-US" smtClean="0"/>
+              <a:rPr kumimoji="1" lang="ja-JP" altLang="en-US"/>
               <a:t>第 </a:t>
             </a:r>
             <a:r>
-              <a:rPr kumimoji="1" lang="en-US" altLang="ja-JP" smtClean="0"/>
+              <a:rPr kumimoji="1" lang="en-US" altLang="ja-JP"/>
               <a:t>4 </a:t>
             </a:r>
             <a:r>
-              <a:rPr kumimoji="1" lang="ja-JP" altLang="en-US" smtClean="0"/>
+              <a:rPr kumimoji="1" lang="ja-JP" altLang="en-US"/>
               <a:t>レベル</a:t>
             </a:r>
           </a:p>
           <a:p>
             <a:pPr lvl="4"/>
             <a:r>
-              <a:rPr kumimoji="1" lang="ja-JP" altLang="en-US" smtClean="0"/>
+              <a:rPr kumimoji="1" lang="ja-JP" altLang="en-US"/>
               <a:t>第 </a:t>
             </a:r>
             <a:r>
-              <a:rPr kumimoji="1" lang="en-US" altLang="ja-JP" smtClean="0"/>
+              <a:rPr kumimoji="1" lang="en-US" altLang="ja-JP"/>
               <a:t>5 </a:t>
             </a:r>
             <a:r>
-              <a:rPr kumimoji="1" lang="ja-JP" altLang="en-US" smtClean="0"/>
+              <a:rPr kumimoji="1" lang="ja-JP" altLang="en-US"/>
               <a:t>レベル</a:t>
             </a:r>
-            <a:endParaRPr kumimoji="1" lang="ja-JP" altLang="en-US"/>
           </a:p>
         </p:txBody>
       </p:sp>
@@ -1403,7 +1392,7 @@
           <a:p>
             <a:fld id="{282DC0F4-7006-4961-BC85-0760920A44BC}" type="datetimeFigureOut">
               <a:rPr kumimoji="1" lang="ja-JP" altLang="en-US" smtClean="0"/>
-              <a:t>2016/5/2</a:t>
+              <a:t>2017/3/30</a:t>
             </a:fld>
             <a:endParaRPr kumimoji="1" lang="ja-JP" altLang="en-US"/>
           </a:p>
@@ -1502,10 +1491,9 @@
           <a:lstStyle/>
           <a:p>
             <a:r>
-              <a:rPr kumimoji="1" lang="ja-JP" altLang="en-US" smtClean="0"/>
+              <a:rPr kumimoji="1" lang="ja-JP" altLang="en-US"/>
               <a:t>マスター タイトルの書式設定</a:t>
             </a:r>
-            <a:endParaRPr kumimoji="1" lang="ja-JP" altLang="en-US"/>
           </a:p>
         </p:txBody>
       </p:sp>
@@ -1568,7 +1556,7 @@
           <a:p>
             <a:pPr lvl="0"/>
             <a:r>
-              <a:rPr kumimoji="1" lang="ja-JP" altLang="en-US" smtClean="0"/>
+              <a:rPr kumimoji="1" lang="ja-JP" altLang="en-US"/>
               <a:t>マスター テキストの書式設定</a:t>
             </a:r>
           </a:p>
@@ -1596,70 +1584,69 @@
           <a:p>
             <a:pPr lvl="0"/>
             <a:r>
-              <a:rPr kumimoji="1" lang="ja-JP" altLang="en-US" smtClean="0"/>
+              <a:rPr kumimoji="1" lang="ja-JP" altLang="en-US"/>
               <a:t>マスター テキストの書式設定</a:t>
             </a:r>
           </a:p>
           <a:p>
             <a:pPr lvl="1"/>
             <a:r>
-              <a:rPr kumimoji="1" lang="ja-JP" altLang="en-US" smtClean="0"/>
+              <a:rPr kumimoji="1" lang="ja-JP" altLang="en-US"/>
               <a:t>第 </a:t>
             </a:r>
             <a:r>
-              <a:rPr kumimoji="1" lang="en-US" altLang="ja-JP" smtClean="0"/>
+              <a:rPr kumimoji="1" lang="en-US" altLang="ja-JP"/>
               <a:t>2 </a:t>
             </a:r>
             <a:r>
-              <a:rPr kumimoji="1" lang="ja-JP" altLang="en-US" smtClean="0"/>
+              <a:rPr kumimoji="1" lang="ja-JP" altLang="en-US"/>
               <a:t>レベル</a:t>
             </a:r>
           </a:p>
           <a:p>
             <a:pPr lvl="2"/>
             <a:r>
-              <a:rPr kumimoji="1" lang="ja-JP" altLang="en-US" smtClean="0"/>
+              <a:rPr kumimoji="1" lang="ja-JP" altLang="en-US"/>
               <a:t>第 </a:t>
             </a:r>
             <a:r>
-              <a:rPr kumimoji="1" lang="en-US" altLang="ja-JP" smtClean="0"/>
+              <a:rPr kumimoji="1" lang="en-US" altLang="ja-JP"/>
               <a:t>3 </a:t>
             </a:r>
             <a:r>
-              <a:rPr kumimoji="1" lang="ja-JP" altLang="en-US" smtClean="0"/>
+              <a:rPr kumimoji="1" lang="ja-JP" altLang="en-US"/>
               <a:t>レベル</a:t>
             </a:r>
           </a:p>
           <a:p>
             <a:pPr lvl="3"/>
             <a:r>
-              <a:rPr kumimoji="1" lang="ja-JP" altLang="en-US" smtClean="0"/>
+              <a:rPr kumimoji="1" lang="ja-JP" altLang="en-US"/>
               <a:t>第 </a:t>
             </a:r>
             <a:r>
-              <a:rPr kumimoji="1" lang="en-US" altLang="ja-JP" smtClean="0"/>
+              <a:rPr kumimoji="1" lang="en-US" altLang="ja-JP"/>
               <a:t>4 </a:t>
             </a:r>
             <a:r>
-              <a:rPr kumimoji="1" lang="ja-JP" altLang="en-US" smtClean="0"/>
+              <a:rPr kumimoji="1" lang="ja-JP" altLang="en-US"/>
               <a:t>レベル</a:t>
             </a:r>
           </a:p>
           <a:p>
             <a:pPr lvl="4"/>
             <a:r>
-              <a:rPr kumimoji="1" lang="ja-JP" altLang="en-US" smtClean="0"/>
+              <a:rPr kumimoji="1" lang="ja-JP" altLang="en-US"/>
               <a:t>第 </a:t>
             </a:r>
             <a:r>
-              <a:rPr kumimoji="1" lang="en-US" altLang="ja-JP" smtClean="0"/>
+              <a:rPr kumimoji="1" lang="en-US" altLang="ja-JP"/>
               <a:t>5 </a:t>
             </a:r>
             <a:r>
-              <a:rPr kumimoji="1" lang="ja-JP" altLang="en-US" smtClean="0"/>
+              <a:rPr kumimoji="1" lang="ja-JP" altLang="en-US"/>
               <a:t>レベル</a:t>
             </a:r>
-            <a:endParaRPr kumimoji="1" lang="ja-JP" altLang="en-US"/>
           </a:p>
         </p:txBody>
       </p:sp>
@@ -1722,7 +1709,7 @@
           <a:p>
             <a:pPr lvl="0"/>
             <a:r>
-              <a:rPr kumimoji="1" lang="ja-JP" altLang="en-US" smtClean="0"/>
+              <a:rPr kumimoji="1" lang="ja-JP" altLang="en-US"/>
               <a:t>マスター テキストの書式設定</a:t>
             </a:r>
           </a:p>
@@ -1750,70 +1737,69 @@
           <a:p>
             <a:pPr lvl="0"/>
             <a:r>
-              <a:rPr kumimoji="1" lang="ja-JP" altLang="en-US" smtClean="0"/>
+              <a:rPr kumimoji="1" lang="ja-JP" altLang="en-US"/>
               <a:t>マスター テキストの書式設定</a:t>
             </a:r>
           </a:p>
           <a:p>
             <a:pPr lvl="1"/>
             <a:r>
-              <a:rPr kumimoji="1" lang="ja-JP" altLang="en-US" smtClean="0"/>
+              <a:rPr kumimoji="1" lang="ja-JP" altLang="en-US"/>
               <a:t>第 </a:t>
             </a:r>
             <a:r>
-              <a:rPr kumimoji="1" lang="en-US" altLang="ja-JP" smtClean="0"/>
+              <a:rPr kumimoji="1" lang="en-US" altLang="ja-JP"/>
               <a:t>2 </a:t>
             </a:r>
             <a:r>
-              <a:rPr kumimoji="1" lang="ja-JP" altLang="en-US" smtClean="0"/>
+              <a:rPr kumimoji="1" lang="ja-JP" altLang="en-US"/>
               <a:t>レベル</a:t>
             </a:r>
           </a:p>
           <a:p>
             <a:pPr lvl="2"/>
             <a:r>
-              <a:rPr kumimoji="1" lang="ja-JP" altLang="en-US" smtClean="0"/>
+              <a:rPr kumimoji="1" lang="ja-JP" altLang="en-US"/>
               <a:t>第 </a:t>
             </a:r>
             <a:r>
-              <a:rPr kumimoji="1" lang="en-US" altLang="ja-JP" smtClean="0"/>
+              <a:rPr kumimoji="1" lang="en-US" altLang="ja-JP"/>
               <a:t>3 </a:t>
             </a:r>
             <a:r>
-              <a:rPr kumimoji="1" lang="ja-JP" altLang="en-US" smtClean="0"/>
+              <a:rPr kumimoji="1" lang="ja-JP" altLang="en-US"/>
               <a:t>レベル</a:t>
             </a:r>
           </a:p>
           <a:p>
             <a:pPr lvl="3"/>
             <a:r>
-              <a:rPr kumimoji="1" lang="ja-JP" altLang="en-US" smtClean="0"/>
+              <a:rPr kumimoji="1" lang="ja-JP" altLang="en-US"/>
               <a:t>第 </a:t>
             </a:r>
             <a:r>
-              <a:rPr kumimoji="1" lang="en-US" altLang="ja-JP" smtClean="0"/>
+              <a:rPr kumimoji="1" lang="en-US" altLang="ja-JP"/>
               <a:t>4 </a:t>
             </a:r>
             <a:r>
-              <a:rPr kumimoji="1" lang="ja-JP" altLang="en-US" smtClean="0"/>
+              <a:rPr kumimoji="1" lang="ja-JP" altLang="en-US"/>
               <a:t>レベル</a:t>
             </a:r>
           </a:p>
           <a:p>
             <a:pPr lvl="4"/>
             <a:r>
-              <a:rPr kumimoji="1" lang="ja-JP" altLang="en-US" smtClean="0"/>
+              <a:rPr kumimoji="1" lang="ja-JP" altLang="en-US"/>
               <a:t>第 </a:t>
             </a:r>
             <a:r>
-              <a:rPr kumimoji="1" lang="en-US" altLang="ja-JP" smtClean="0"/>
+              <a:rPr kumimoji="1" lang="en-US" altLang="ja-JP"/>
               <a:t>5 </a:t>
             </a:r>
             <a:r>
-              <a:rPr kumimoji="1" lang="ja-JP" altLang="en-US" smtClean="0"/>
+              <a:rPr kumimoji="1" lang="ja-JP" altLang="en-US"/>
               <a:t>レベル</a:t>
             </a:r>
-            <a:endParaRPr kumimoji="1" lang="ja-JP" altLang="en-US"/>
           </a:p>
         </p:txBody>
       </p:sp>
@@ -1834,7 +1820,7 @@
           <a:p>
             <a:fld id="{282DC0F4-7006-4961-BC85-0760920A44BC}" type="datetimeFigureOut">
               <a:rPr kumimoji="1" lang="ja-JP" altLang="en-US" smtClean="0"/>
-              <a:t>2016/5/2</a:t>
+              <a:t>2017/3/30</a:t>
             </a:fld>
             <a:endParaRPr kumimoji="1" lang="ja-JP" altLang="en-US"/>
           </a:p>
@@ -1928,10 +1914,9 @@
           <a:lstStyle/>
           <a:p>
             <a:r>
-              <a:rPr kumimoji="1" lang="ja-JP" altLang="en-US" smtClean="0"/>
+              <a:rPr kumimoji="1" lang="ja-JP" altLang="en-US"/>
               <a:t>マスター タイトルの書式設定</a:t>
             </a:r>
-            <a:endParaRPr kumimoji="1" lang="ja-JP" altLang="en-US"/>
           </a:p>
         </p:txBody>
       </p:sp>
@@ -1952,7 +1937,7 @@
           <a:p>
             <a:fld id="{282DC0F4-7006-4961-BC85-0760920A44BC}" type="datetimeFigureOut">
               <a:rPr kumimoji="1" lang="ja-JP" altLang="en-US" smtClean="0"/>
-              <a:t>2016/5/2</a:t>
+              <a:t>2017/3/30</a:t>
             </a:fld>
             <a:endParaRPr kumimoji="1" lang="ja-JP" altLang="en-US"/>
           </a:p>
@@ -2047,7 +2032,7 @@
           <a:p>
             <a:fld id="{282DC0F4-7006-4961-BC85-0760920A44BC}" type="datetimeFigureOut">
               <a:rPr kumimoji="1" lang="ja-JP" altLang="en-US" smtClean="0"/>
-              <a:t>2016/5/2</a:t>
+              <a:t>2017/3/30</a:t>
             </a:fld>
             <a:endParaRPr kumimoji="1" lang="ja-JP" altLang="en-US"/>
           </a:p>
@@ -2150,10 +2135,9 @@
           </a:lstStyle>
           <a:p>
             <a:r>
-              <a:rPr kumimoji="1" lang="ja-JP" altLang="en-US" smtClean="0"/>
+              <a:rPr kumimoji="1" lang="ja-JP" altLang="en-US"/>
               <a:t>マスター タイトルの書式設定</a:t>
             </a:r>
-            <a:endParaRPr kumimoji="1" lang="ja-JP" altLang="en-US"/>
           </a:p>
         </p:txBody>
       </p:sp>
@@ -2207,70 +2191,69 @@
           <a:p>
             <a:pPr lvl="0"/>
             <a:r>
-              <a:rPr kumimoji="1" lang="ja-JP" altLang="en-US" smtClean="0"/>
+              <a:rPr kumimoji="1" lang="ja-JP" altLang="en-US"/>
               <a:t>マスター テキストの書式設定</a:t>
             </a:r>
           </a:p>
           <a:p>
             <a:pPr lvl="1"/>
             <a:r>
-              <a:rPr kumimoji="1" lang="ja-JP" altLang="en-US" smtClean="0"/>
+              <a:rPr kumimoji="1" lang="ja-JP" altLang="en-US"/>
               <a:t>第 </a:t>
             </a:r>
             <a:r>
-              <a:rPr kumimoji="1" lang="en-US" altLang="ja-JP" smtClean="0"/>
+              <a:rPr kumimoji="1" lang="en-US" altLang="ja-JP"/>
               <a:t>2 </a:t>
             </a:r>
             <a:r>
-              <a:rPr kumimoji="1" lang="ja-JP" altLang="en-US" smtClean="0"/>
+              <a:rPr kumimoji="1" lang="ja-JP" altLang="en-US"/>
               <a:t>レベル</a:t>
             </a:r>
           </a:p>
           <a:p>
             <a:pPr lvl="2"/>
             <a:r>
-              <a:rPr kumimoji="1" lang="ja-JP" altLang="en-US" smtClean="0"/>
+              <a:rPr kumimoji="1" lang="ja-JP" altLang="en-US"/>
               <a:t>第 </a:t>
             </a:r>
             <a:r>
-              <a:rPr kumimoji="1" lang="en-US" altLang="ja-JP" smtClean="0"/>
+              <a:rPr kumimoji="1" lang="en-US" altLang="ja-JP"/>
               <a:t>3 </a:t>
             </a:r>
             <a:r>
-              <a:rPr kumimoji="1" lang="ja-JP" altLang="en-US" smtClean="0"/>
+              <a:rPr kumimoji="1" lang="ja-JP" altLang="en-US"/>
               <a:t>レベル</a:t>
             </a:r>
           </a:p>
           <a:p>
             <a:pPr lvl="3"/>
             <a:r>
-              <a:rPr kumimoji="1" lang="ja-JP" altLang="en-US" smtClean="0"/>
+              <a:rPr kumimoji="1" lang="ja-JP" altLang="en-US"/>
               <a:t>第 </a:t>
             </a:r>
             <a:r>
-              <a:rPr kumimoji="1" lang="en-US" altLang="ja-JP" smtClean="0"/>
+              <a:rPr kumimoji="1" lang="en-US" altLang="ja-JP"/>
               <a:t>4 </a:t>
             </a:r>
             <a:r>
-              <a:rPr kumimoji="1" lang="ja-JP" altLang="en-US" smtClean="0"/>
+              <a:rPr kumimoji="1" lang="ja-JP" altLang="en-US"/>
               <a:t>レベル</a:t>
             </a:r>
           </a:p>
           <a:p>
             <a:pPr lvl="4"/>
             <a:r>
-              <a:rPr kumimoji="1" lang="ja-JP" altLang="en-US" smtClean="0"/>
+              <a:rPr kumimoji="1" lang="ja-JP" altLang="en-US"/>
               <a:t>第 </a:t>
             </a:r>
             <a:r>
-              <a:rPr kumimoji="1" lang="en-US" altLang="ja-JP" smtClean="0"/>
+              <a:rPr kumimoji="1" lang="en-US" altLang="ja-JP"/>
               <a:t>5 </a:t>
             </a:r>
             <a:r>
-              <a:rPr kumimoji="1" lang="ja-JP" altLang="en-US" smtClean="0"/>
+              <a:rPr kumimoji="1" lang="ja-JP" altLang="en-US"/>
               <a:t>レベル</a:t>
             </a:r>
-            <a:endParaRPr kumimoji="1" lang="ja-JP" altLang="en-US"/>
           </a:p>
         </p:txBody>
       </p:sp>
@@ -2333,7 +2316,7 @@
           <a:p>
             <a:pPr lvl="0"/>
             <a:r>
-              <a:rPr kumimoji="1" lang="ja-JP" altLang="en-US" smtClean="0"/>
+              <a:rPr kumimoji="1" lang="ja-JP" altLang="en-US"/>
               <a:t>マスター テキストの書式設定</a:t>
             </a:r>
           </a:p>
@@ -2356,7 +2339,7 @@
           <a:p>
             <a:fld id="{282DC0F4-7006-4961-BC85-0760920A44BC}" type="datetimeFigureOut">
               <a:rPr kumimoji="1" lang="ja-JP" altLang="en-US" smtClean="0"/>
-              <a:t>2016/5/2</a:t>
+              <a:t>2017/3/30</a:t>
             </a:fld>
             <a:endParaRPr kumimoji="1" lang="ja-JP" altLang="en-US"/>
           </a:p>
@@ -2459,10 +2442,9 @@
           </a:lstStyle>
           <a:p>
             <a:r>
-              <a:rPr kumimoji="1" lang="ja-JP" altLang="en-US" smtClean="0"/>
+              <a:rPr kumimoji="1" lang="ja-JP" altLang="en-US"/>
               <a:t>マスター タイトルの書式設定</a:t>
             </a:r>
-            <a:endParaRPr kumimoji="1" lang="ja-JP" altLang="en-US"/>
           </a:p>
         </p:txBody>
       </p:sp>
@@ -2586,7 +2568,7 @@
           <a:p>
             <a:pPr lvl="0"/>
             <a:r>
-              <a:rPr kumimoji="1" lang="ja-JP" altLang="en-US" smtClean="0"/>
+              <a:rPr kumimoji="1" lang="ja-JP" altLang="en-US"/>
               <a:t>マスター テキストの書式設定</a:t>
             </a:r>
           </a:p>
@@ -2609,7 +2591,7 @@
           <a:p>
             <a:fld id="{282DC0F4-7006-4961-BC85-0760920A44BC}" type="datetimeFigureOut">
               <a:rPr kumimoji="1" lang="ja-JP" altLang="en-US" smtClean="0"/>
-              <a:t>2016/5/2</a:t>
+              <a:t>2017/3/30</a:t>
             </a:fld>
             <a:endParaRPr kumimoji="1" lang="ja-JP" altLang="en-US"/>
           </a:p>
@@ -2718,10 +2700,9 @@
           <a:lstStyle/>
           <a:p>
             <a:r>
-              <a:rPr kumimoji="1" lang="ja-JP" altLang="en-US" smtClean="0"/>
+              <a:rPr kumimoji="1" lang="ja-JP" altLang="en-US"/>
               <a:t>マスター タイトルの書式設定</a:t>
             </a:r>
-            <a:endParaRPr kumimoji="1" lang="ja-JP" altLang="en-US"/>
           </a:p>
         </p:txBody>
       </p:sp>
@@ -2752,70 +2733,69 @@
           <a:p>
             <a:pPr lvl="0"/>
             <a:r>
-              <a:rPr kumimoji="1" lang="ja-JP" altLang="en-US" smtClean="0"/>
+              <a:rPr kumimoji="1" lang="ja-JP" altLang="en-US"/>
               <a:t>マスター テキストの書式設定</a:t>
             </a:r>
           </a:p>
           <a:p>
             <a:pPr lvl="1"/>
             <a:r>
-              <a:rPr kumimoji="1" lang="ja-JP" altLang="en-US" smtClean="0"/>
+              <a:rPr kumimoji="1" lang="ja-JP" altLang="en-US"/>
               <a:t>第 </a:t>
             </a:r>
             <a:r>
-              <a:rPr kumimoji="1" lang="en-US" altLang="ja-JP" smtClean="0"/>
+              <a:rPr kumimoji="1" lang="en-US" altLang="ja-JP"/>
               <a:t>2 </a:t>
             </a:r>
             <a:r>
-              <a:rPr kumimoji="1" lang="ja-JP" altLang="en-US" smtClean="0"/>
+              <a:rPr kumimoji="1" lang="ja-JP" altLang="en-US"/>
               <a:t>レベル</a:t>
             </a:r>
           </a:p>
           <a:p>
             <a:pPr lvl="2"/>
             <a:r>
-              <a:rPr kumimoji="1" lang="ja-JP" altLang="en-US" smtClean="0"/>
+              <a:rPr kumimoji="1" lang="ja-JP" altLang="en-US"/>
               <a:t>第 </a:t>
             </a:r>
             <a:r>
-              <a:rPr kumimoji="1" lang="en-US" altLang="ja-JP" smtClean="0"/>
+              <a:rPr kumimoji="1" lang="en-US" altLang="ja-JP"/>
               <a:t>3 </a:t>
             </a:r>
             <a:r>
-              <a:rPr kumimoji="1" lang="ja-JP" altLang="en-US" smtClean="0"/>
+              <a:rPr kumimoji="1" lang="ja-JP" altLang="en-US"/>
               <a:t>レベル</a:t>
             </a:r>
           </a:p>
           <a:p>
             <a:pPr lvl="3"/>
             <a:r>
-              <a:rPr kumimoji="1" lang="ja-JP" altLang="en-US" smtClean="0"/>
+              <a:rPr kumimoji="1" lang="ja-JP" altLang="en-US"/>
               <a:t>第 </a:t>
             </a:r>
             <a:r>
-              <a:rPr kumimoji="1" lang="en-US" altLang="ja-JP" smtClean="0"/>
+              <a:rPr kumimoji="1" lang="en-US" altLang="ja-JP"/>
               <a:t>4 </a:t>
             </a:r>
             <a:r>
-              <a:rPr kumimoji="1" lang="ja-JP" altLang="en-US" smtClean="0"/>
+              <a:rPr kumimoji="1" lang="ja-JP" altLang="en-US"/>
               <a:t>レベル</a:t>
             </a:r>
           </a:p>
           <a:p>
             <a:pPr lvl="4"/>
             <a:r>
-              <a:rPr kumimoji="1" lang="ja-JP" altLang="en-US" smtClean="0"/>
+              <a:rPr kumimoji="1" lang="ja-JP" altLang="en-US"/>
               <a:t>第 </a:t>
             </a:r>
             <a:r>
-              <a:rPr kumimoji="1" lang="en-US" altLang="ja-JP" smtClean="0"/>
+              <a:rPr kumimoji="1" lang="en-US" altLang="ja-JP"/>
               <a:t>5 </a:t>
             </a:r>
             <a:r>
-              <a:rPr kumimoji="1" lang="ja-JP" altLang="en-US" smtClean="0"/>
+              <a:rPr kumimoji="1" lang="ja-JP" altLang="en-US"/>
               <a:t>レベル</a:t>
             </a:r>
-            <a:endParaRPr kumimoji="1" lang="ja-JP" altLang="en-US"/>
           </a:p>
         </p:txBody>
       </p:sp>
@@ -2854,7 +2834,7 @@
           <a:p>
             <a:fld id="{282DC0F4-7006-4961-BC85-0760920A44BC}" type="datetimeFigureOut">
               <a:rPr kumimoji="1" lang="ja-JP" altLang="en-US" smtClean="0"/>
-              <a:t>2016/5/2</a:t>
+              <a:t>2017/3/30</a:t>
             </a:fld>
             <a:endParaRPr kumimoji="1" lang="ja-JP" altLang="en-US"/>
           </a:p>
@@ -3259,59 +3239,156 @@
           <a:chExt cx="0" cy="0"/>
         </a:xfrm>
       </p:grpSpPr>
-      <p:sp>
-        <p:nvSpPr>
-          <p:cNvPr id="4" name="角丸四角形 3"/>
-          <p:cNvSpPr/>
+      <p:pic>
+        <p:nvPicPr>
+          <p:cNvPr id="3" name="図 2"/>
+          <p:cNvPicPr>
+            <a:picLocks noChangeAspect="1"/>
+          </p:cNvPicPr>
           <p:nvPr/>
-        </p:nvSpPr>
-        <p:spPr>
-          <a:xfrm>
-            <a:off x="2075955" y="995301"/>
-            <a:ext cx="2029320" cy="1081149"/>
-          </a:xfrm>
-          <a:prstGeom prst="roundRect">
+        </p:nvPicPr>
+        <p:blipFill>
+          <a:blip r:embed="rId2"/>
+          <a:stretch>
+            <a:fillRect/>
+          </a:stretch>
+        </p:blipFill>
+        <p:spPr>
+          <a:xfrm>
+            <a:off x="1836156" y="1107117"/>
+            <a:ext cx="2724530" cy="2791215"/>
+          </a:xfrm>
+          <a:prstGeom prst="rect">
             <a:avLst/>
           </a:prstGeom>
         </p:spPr>
+      </p:pic>
+      <p:pic>
+        <p:nvPicPr>
+          <p:cNvPr id="4" name="図 3"/>
+          <p:cNvPicPr>
+            <a:picLocks noChangeAspect="1"/>
+          </p:cNvPicPr>
+          <p:nvPr/>
+        </p:nvPicPr>
+        <p:blipFill>
+          <a:blip r:embed="rId3"/>
+          <a:stretch>
+            <a:fillRect/>
+          </a:stretch>
+        </p:blipFill>
+        <p:spPr>
+          <a:xfrm>
+            <a:off x="3653080" y="1807760"/>
+            <a:ext cx="2724530" cy="2791215"/>
+          </a:xfrm>
+          <a:prstGeom prst="rect">
+            <a:avLst/>
+          </a:prstGeom>
+        </p:spPr>
+      </p:pic>
+      <p:pic>
+        <p:nvPicPr>
+          <p:cNvPr id="5" name="図 4"/>
+          <p:cNvPicPr>
+            <a:picLocks noChangeAspect="1"/>
+          </p:cNvPicPr>
+          <p:nvPr/>
+        </p:nvPicPr>
+        <p:blipFill>
+          <a:blip r:embed="rId4"/>
+          <a:stretch>
+            <a:fillRect/>
+          </a:stretch>
+        </p:blipFill>
+        <p:spPr>
+          <a:xfrm>
+            <a:off x="5470004" y="2502724"/>
+            <a:ext cx="2724530" cy="2791215"/>
+          </a:xfrm>
+          <a:prstGeom prst="rect">
+            <a:avLst/>
+          </a:prstGeom>
+        </p:spPr>
+      </p:pic>
+      <p:pic>
+        <p:nvPicPr>
+          <p:cNvPr id="6" name="図 5"/>
+          <p:cNvPicPr>
+            <a:picLocks noChangeAspect="1"/>
+          </p:cNvPicPr>
+          <p:nvPr/>
+        </p:nvPicPr>
+        <p:blipFill>
+          <a:blip r:embed="rId5"/>
+          <a:stretch>
+            <a:fillRect/>
+          </a:stretch>
+        </p:blipFill>
+        <p:spPr>
+          <a:xfrm>
+            <a:off x="2798421" y="2870565"/>
+            <a:ext cx="266667" cy="238095"/>
+          </a:xfrm>
+          <a:prstGeom prst="rect">
+            <a:avLst/>
+          </a:prstGeom>
+        </p:spPr>
+      </p:pic>
+      <p:sp>
+        <p:nvSpPr>
+          <p:cNvPr id="8" name="テキスト ボックス 7"/>
+          <p:cNvSpPr txBox="1"/>
+          <p:nvPr/>
+        </p:nvSpPr>
+        <p:spPr>
+          <a:xfrm>
+            <a:off x="2698326" y="3121018"/>
+            <a:ext cx="660758" cy="276999"/>
+          </a:xfrm>
+          <a:prstGeom prst="rect">
+            <a:avLst/>
+          </a:prstGeom>
+        </p:spPr>
         <p:style>
-          <a:lnRef idx="1">
-            <a:schemeClr val="accent1"/>
+          <a:lnRef idx="2">
+            <a:schemeClr val="dk1"/>
           </a:lnRef>
-          <a:fillRef idx="2">
-            <a:schemeClr val="accent1"/>
+          <a:fillRef idx="1">
+            <a:schemeClr val="lt1"/>
           </a:fillRef>
-          <a:effectRef idx="1">
-            <a:schemeClr val="accent1"/>
+          <a:effectRef idx="0">
+            <a:schemeClr val="dk1"/>
           </a:effectRef>
           <a:fontRef idx="minor">
             <a:schemeClr val="dk1"/>
           </a:fontRef>
         </p:style>
         <p:txBody>
-          <a:bodyPr rtlCol="0" anchor="t"/>
-          <a:lstStyle/>
-          <a:p>
-            <a:r>
-              <a:rPr kumimoji="1" lang="en-US" altLang="ja-JP" sz="1200" dirty="0" smtClean="0"/>
-              <a:t>Form1</a:t>
-            </a:r>
-            <a:endParaRPr kumimoji="1" lang="ja-JP" altLang="en-US" sz="1200" dirty="0"/>
-          </a:p>
-        </p:txBody>
-      </p:sp>
-      <p:sp>
-        <p:nvSpPr>
-          <p:cNvPr id="6" name="角丸四角形 5"/>
+          <a:bodyPr wrap="none" rtlCol="0">
+            <a:spAutoFit/>
+          </a:bodyPr>
+          <a:lstStyle/>
+          <a:p>
+            <a:r>
+              <a:rPr kumimoji="1" lang="ja-JP" altLang="en-US" sz="1200" dirty="0"/>
+              <a:t>クリック</a:t>
+            </a:r>
+          </a:p>
+        </p:txBody>
+      </p:sp>
+      <p:sp>
+        <p:nvSpPr>
+          <p:cNvPr id="9" name="矢印: 下 8"/>
           <p:cNvSpPr/>
           <p:nvPr/>
         </p:nvSpPr>
         <p:spPr>
-          <a:xfrm>
-            <a:off x="2656714" y="1558888"/>
-            <a:ext cx="781811" cy="283335"/>
-          </a:xfrm>
-          <a:prstGeom prst="roundRect">
+          <a:xfrm rot="17395263">
+            <a:off x="3956562" y="2247805"/>
+            <a:ext cx="261257" cy="914400"/>
+          </a:xfrm>
+          <a:prstGeom prst="downArrow">
             <a:avLst/>
           </a:prstGeom>
         </p:spPr>
@@ -3336,8 +3413,309 @@
           <a:lstStyle/>
           <a:p>
             <a:pPr algn="ctr"/>
-            <a:r>
-              <a:rPr kumimoji="1" lang="en-US" altLang="ja-JP" sz="1200" dirty="0" smtClean="0"/>
+            <a:endParaRPr kumimoji="1" lang="ja-JP" altLang="en-US"/>
+          </a:p>
+        </p:txBody>
+      </p:sp>
+      <p:sp>
+        <p:nvSpPr>
+          <p:cNvPr id="10" name="テキスト ボックス 9"/>
+          <p:cNvSpPr txBox="1"/>
+          <p:nvPr/>
+        </p:nvSpPr>
+        <p:spPr>
+          <a:xfrm>
+            <a:off x="3938981" y="2364224"/>
+            <a:ext cx="1075936" cy="276999"/>
+          </a:xfrm>
+          <a:prstGeom prst="rect">
+            <a:avLst/>
+          </a:prstGeom>
+        </p:spPr>
+        <p:style>
+          <a:lnRef idx="2">
+            <a:schemeClr val="dk1"/>
+          </a:lnRef>
+          <a:fillRef idx="1">
+            <a:schemeClr val="lt1"/>
+          </a:fillRef>
+          <a:effectRef idx="0">
+            <a:schemeClr val="dk1"/>
+          </a:effectRef>
+          <a:fontRef idx="minor">
+            <a:schemeClr val="dk1"/>
+          </a:fontRef>
+        </p:style>
+        <p:txBody>
+          <a:bodyPr wrap="none" rtlCol="0">
+            <a:spAutoFit/>
+          </a:bodyPr>
+          <a:lstStyle/>
+          <a:p>
+            <a:r>
+              <a:rPr kumimoji="1" lang="ja-JP" altLang="en-US" sz="1200" dirty="0"/>
+              <a:t>カウントアップ</a:t>
+            </a:r>
+          </a:p>
+        </p:txBody>
+      </p:sp>
+      <p:pic>
+        <p:nvPicPr>
+          <p:cNvPr id="11" name="図 10"/>
+          <p:cNvPicPr>
+            <a:picLocks noChangeAspect="1"/>
+          </p:cNvPicPr>
+          <p:nvPr/>
+        </p:nvPicPr>
+        <p:blipFill>
+          <a:blip r:embed="rId5"/>
+          <a:stretch>
+            <a:fillRect/>
+          </a:stretch>
+        </p:blipFill>
+        <p:spPr>
+          <a:xfrm>
+            <a:off x="4660781" y="3565529"/>
+            <a:ext cx="266667" cy="238095"/>
+          </a:xfrm>
+          <a:prstGeom prst="rect">
+            <a:avLst/>
+          </a:prstGeom>
+        </p:spPr>
+      </p:pic>
+      <p:sp>
+        <p:nvSpPr>
+          <p:cNvPr id="12" name="テキスト ボックス 11"/>
+          <p:cNvSpPr txBox="1"/>
+          <p:nvPr/>
+        </p:nvSpPr>
+        <p:spPr>
+          <a:xfrm>
+            <a:off x="4560686" y="3815982"/>
+            <a:ext cx="660758" cy="276999"/>
+          </a:xfrm>
+          <a:prstGeom prst="rect">
+            <a:avLst/>
+          </a:prstGeom>
+        </p:spPr>
+        <p:style>
+          <a:lnRef idx="2">
+            <a:schemeClr val="dk1"/>
+          </a:lnRef>
+          <a:fillRef idx="1">
+            <a:schemeClr val="lt1"/>
+          </a:fillRef>
+          <a:effectRef idx="0">
+            <a:schemeClr val="dk1"/>
+          </a:effectRef>
+          <a:fontRef idx="minor">
+            <a:schemeClr val="dk1"/>
+          </a:fontRef>
+        </p:style>
+        <p:txBody>
+          <a:bodyPr wrap="none" rtlCol="0">
+            <a:spAutoFit/>
+          </a:bodyPr>
+          <a:lstStyle/>
+          <a:p>
+            <a:r>
+              <a:rPr kumimoji="1" lang="ja-JP" altLang="en-US" sz="1200" dirty="0"/>
+              <a:t>クリック</a:t>
+            </a:r>
+          </a:p>
+        </p:txBody>
+      </p:sp>
+      <p:sp>
+        <p:nvSpPr>
+          <p:cNvPr id="13" name="矢印: 下 12"/>
+          <p:cNvSpPr/>
+          <p:nvPr/>
+        </p:nvSpPr>
+        <p:spPr>
+          <a:xfrm rot="17395263">
+            <a:off x="5818922" y="2942769"/>
+            <a:ext cx="261257" cy="914400"/>
+          </a:xfrm>
+          <a:prstGeom prst="downArrow">
+            <a:avLst/>
+          </a:prstGeom>
+        </p:spPr>
+        <p:style>
+          <a:lnRef idx="2">
+            <a:schemeClr val="accent1">
+              <a:shade val="50000"/>
+            </a:schemeClr>
+          </a:lnRef>
+          <a:fillRef idx="1">
+            <a:schemeClr val="accent1"/>
+          </a:fillRef>
+          <a:effectRef idx="0">
+            <a:schemeClr val="accent1"/>
+          </a:effectRef>
+          <a:fontRef idx="minor">
+            <a:schemeClr val="lt1"/>
+          </a:fontRef>
+        </p:style>
+        <p:txBody>
+          <a:bodyPr rtlCol="0" anchor="ctr"/>
+          <a:lstStyle/>
+          <a:p>
+            <a:pPr algn="ctr"/>
+            <a:endParaRPr kumimoji="1" lang="ja-JP" altLang="en-US"/>
+          </a:p>
+        </p:txBody>
+      </p:sp>
+      <p:sp>
+        <p:nvSpPr>
+          <p:cNvPr id="14" name="テキスト ボックス 13"/>
+          <p:cNvSpPr txBox="1"/>
+          <p:nvPr/>
+        </p:nvSpPr>
+        <p:spPr>
+          <a:xfrm>
+            <a:off x="5801341" y="3059188"/>
+            <a:ext cx="1075936" cy="276999"/>
+          </a:xfrm>
+          <a:prstGeom prst="rect">
+            <a:avLst/>
+          </a:prstGeom>
+        </p:spPr>
+        <p:style>
+          <a:lnRef idx="2">
+            <a:schemeClr val="dk1"/>
+          </a:lnRef>
+          <a:fillRef idx="1">
+            <a:schemeClr val="lt1"/>
+          </a:fillRef>
+          <a:effectRef idx="0">
+            <a:schemeClr val="dk1"/>
+          </a:effectRef>
+          <a:fontRef idx="minor">
+            <a:schemeClr val="dk1"/>
+          </a:fontRef>
+        </p:style>
+        <p:txBody>
+          <a:bodyPr wrap="none" rtlCol="0">
+            <a:spAutoFit/>
+          </a:bodyPr>
+          <a:lstStyle/>
+          <a:p>
+            <a:r>
+              <a:rPr kumimoji="1" lang="ja-JP" altLang="en-US" sz="1200" dirty="0"/>
+              <a:t>カウントアップ</a:t>
+            </a:r>
+          </a:p>
+        </p:txBody>
+      </p:sp>
+    </p:spTree>
+    <p:extLst>
+      <p:ext uri="{BB962C8B-B14F-4D97-AF65-F5344CB8AC3E}">
+        <p14:creationId xmlns:p14="http://schemas.microsoft.com/office/powerpoint/2010/main" val="3426100924"/>
+      </p:ext>
+    </p:extLst>
+  </p:cSld>
+  <p:clrMapOvr>
+    <a:masterClrMapping/>
+  </p:clrMapOvr>
+</p:sld>
+</file>
+
+<file path=ppt/slides/slide2.xml><?xml version="1.0" encoding="utf-8"?>
+<p:sld xmlns:a="http://schemas.openxmlformats.org/drawingml/2006/main" xmlns:r="http://schemas.openxmlformats.org/officeDocument/2006/relationships" xmlns:p="http://schemas.openxmlformats.org/presentationml/2006/main">
+  <p:cSld>
+    <p:spTree>
+      <p:nvGrpSpPr>
+        <p:cNvPr id="1" name=""/>
+        <p:cNvGrpSpPr/>
+        <p:nvPr/>
+      </p:nvGrpSpPr>
+      <p:grpSpPr>
+        <a:xfrm>
+          <a:off x="0" y="0"/>
+          <a:ext cx="0" cy="0"/>
+          <a:chOff x="0" y="0"/>
+          <a:chExt cx="0" cy="0"/>
+        </a:xfrm>
+      </p:grpSpPr>
+      <p:sp>
+        <p:nvSpPr>
+          <p:cNvPr id="4" name="角丸四角形 3"/>
+          <p:cNvSpPr/>
+          <p:nvPr/>
+        </p:nvSpPr>
+        <p:spPr>
+          <a:xfrm>
+            <a:off x="2075955" y="995301"/>
+            <a:ext cx="2029320" cy="1081149"/>
+          </a:xfrm>
+          <a:prstGeom prst="roundRect">
+            <a:avLst/>
+          </a:prstGeom>
+        </p:spPr>
+        <p:style>
+          <a:lnRef idx="1">
+            <a:schemeClr val="accent1"/>
+          </a:lnRef>
+          <a:fillRef idx="2">
+            <a:schemeClr val="accent1"/>
+          </a:fillRef>
+          <a:effectRef idx="1">
+            <a:schemeClr val="accent1"/>
+          </a:effectRef>
+          <a:fontRef idx="minor">
+            <a:schemeClr val="dk1"/>
+          </a:fontRef>
+        </p:style>
+        <p:txBody>
+          <a:bodyPr rtlCol="0" anchor="t"/>
+          <a:lstStyle/>
+          <a:p>
+            <a:r>
+              <a:rPr kumimoji="1" lang="en-US" altLang="ja-JP" sz="1200" dirty="0"/>
+              <a:t>Form1</a:t>
+            </a:r>
+            <a:endParaRPr kumimoji="1" lang="ja-JP" altLang="en-US" sz="1200" dirty="0"/>
+          </a:p>
+        </p:txBody>
+      </p:sp>
+      <p:sp>
+        <p:nvSpPr>
+          <p:cNvPr id="6" name="角丸四角形 5"/>
+          <p:cNvSpPr/>
+          <p:nvPr/>
+        </p:nvSpPr>
+        <p:spPr>
+          <a:xfrm>
+            <a:off x="2656714" y="1558888"/>
+            <a:ext cx="781811" cy="283335"/>
+          </a:xfrm>
+          <a:prstGeom prst="roundRect">
+            <a:avLst/>
+          </a:prstGeom>
+        </p:spPr>
+        <p:style>
+          <a:lnRef idx="2">
+            <a:schemeClr val="accent1">
+              <a:shade val="50000"/>
+            </a:schemeClr>
+          </a:lnRef>
+          <a:fillRef idx="1">
+            <a:schemeClr val="accent1"/>
+          </a:fillRef>
+          <a:effectRef idx="0">
+            <a:schemeClr val="accent1"/>
+          </a:effectRef>
+          <a:fontRef idx="minor">
+            <a:schemeClr val="lt1"/>
+          </a:fontRef>
+        </p:style>
+        <p:txBody>
+          <a:bodyPr rtlCol="0" anchor="ctr"/>
+          <a:lstStyle/>
+          <a:p>
+            <a:pPr algn="ctr"/>
+            <a:r>
+              <a:rPr kumimoji="1" lang="en-US" altLang="ja-JP" sz="1200" dirty="0"/>
               <a:t>1</a:t>
             </a:r>
             <a:endParaRPr kumimoji="1" lang="ja-JP" altLang="en-US" sz="1200" dirty="0"/>
@@ -3367,7 +3745,7 @@
           <a:lstStyle/>
           <a:p>
             <a:r>
-              <a:rPr kumimoji="1" lang="en-US" altLang="ja-JP" sz="1200" dirty="0" err="1" smtClean="0"/>
+              <a:rPr kumimoji="1" lang="en-US" altLang="ja-JP" sz="1200" dirty="0" err="1"/>
               <a:t>currentValue</a:t>
             </a:r>
             <a:endParaRPr kumimoji="1" lang="ja-JP" altLang="en-US" sz="1200" dirty="0"/>
@@ -3474,7 +3852,7 @@
           <a:lstStyle/>
           <a:p>
             <a:r>
-              <a:rPr kumimoji="1" lang="en-US" altLang="ja-JP" sz="1200" dirty="0" err="1" smtClean="0"/>
+              <a:rPr kumimoji="1" lang="en-US" altLang="ja-JP" sz="1200" dirty="0" err="1"/>
               <a:t>RenderForm</a:t>
             </a:r>
             <a:endParaRPr kumimoji="1" lang="ja-JP" altLang="en-US" sz="1200" dirty="0"/>
@@ -3494,7 +3872,7 @@
 </p:sld>
 </file>
 
-<file path=ppt/slides/slide2.xml><?xml version="1.0" encoding="utf-8"?>
+<file path=ppt/slides/slide3.xml><?xml version="1.0" encoding="utf-8"?>
 <p:sld xmlns:a="http://schemas.openxmlformats.org/drawingml/2006/main" xmlns:r="http://schemas.openxmlformats.org/officeDocument/2006/relationships" xmlns:p="http://schemas.openxmlformats.org/presentationml/2006/main">
   <p:cSld>
     <p:spTree>
@@ -3569,7 +3947,7 @@
           <a:lstStyle/>
           <a:p>
             <a:r>
-              <a:rPr kumimoji="1" lang="en-US" altLang="ja-JP" sz="1200" dirty="0" smtClean="0"/>
+              <a:rPr kumimoji="1" lang="en-US" altLang="ja-JP" sz="1200" dirty="0"/>
               <a:t>Form1</a:t>
             </a:r>
             <a:endParaRPr kumimoji="1" lang="ja-JP" altLang="en-US" sz="1200" dirty="0"/>
@@ -3613,7 +3991,7 @@
           <a:p>
             <a:pPr algn="ctr"/>
             <a:r>
-              <a:rPr kumimoji="1" lang="en-US" altLang="ja-JP" sz="1200" dirty="0" smtClean="0"/>
+              <a:rPr kumimoji="1" lang="en-US" altLang="ja-JP" sz="1200" dirty="0"/>
               <a:t>1</a:t>
             </a:r>
             <a:endParaRPr kumimoji="1" lang="ja-JP" altLang="en-US" sz="1200" dirty="0"/>
@@ -3643,7 +4021,7 @@
           <a:lstStyle/>
           <a:p>
             <a:r>
-              <a:rPr kumimoji="1" lang="en-US" altLang="ja-JP" sz="1200" dirty="0" err="1" smtClean="0"/>
+              <a:rPr kumimoji="1" lang="en-US" altLang="ja-JP" sz="1200" dirty="0" err="1"/>
               <a:t>currentValue</a:t>
             </a:r>
             <a:endParaRPr kumimoji="1" lang="ja-JP" altLang="en-US" sz="1200" dirty="0"/>
@@ -3684,7 +4062,7 @@
           <a:lstStyle/>
           <a:p>
             <a:r>
-              <a:rPr kumimoji="1" lang="en-US" altLang="ja-JP" sz="1200" dirty="0" smtClean="0"/>
+              <a:rPr kumimoji="1" lang="en-US" altLang="ja-JP" sz="1200" dirty="0"/>
               <a:t>Form1</a:t>
             </a:r>
             <a:endParaRPr kumimoji="1" lang="ja-JP" altLang="en-US" sz="1200" dirty="0"/>
@@ -3766,7 +4144,7 @@
           <a:lstStyle/>
           <a:p>
             <a:r>
-              <a:rPr kumimoji="1" lang="en-US" altLang="ja-JP" sz="1200" dirty="0" err="1" smtClean="0"/>
+              <a:rPr kumimoji="1" lang="en-US" altLang="ja-JP" sz="1200" dirty="0" err="1"/>
               <a:t>currentValue</a:t>
             </a:r>
             <a:endParaRPr kumimoji="1" lang="ja-JP" altLang="en-US" sz="1200" dirty="0"/>
@@ -3849,7 +4227,7 @@
           <a:lstStyle/>
           <a:p>
             <a:r>
-              <a:rPr kumimoji="1" lang="en-US" altLang="ja-JP" sz="1200" dirty="0" err="1" smtClean="0"/>
+              <a:rPr kumimoji="1" lang="en-US" altLang="ja-JP" sz="1200" dirty="0" err="1"/>
               <a:t>RenderForm</a:t>
             </a:r>
             <a:endParaRPr kumimoji="1" lang="ja-JP" altLang="en-US" sz="1200" dirty="0"/>
@@ -3932,11 +4310,11 @@
           <a:lstStyle/>
           <a:p>
             <a:r>
-              <a:rPr lang="en-US" altLang="ja-JP" sz="1200" dirty="0" err="1" smtClean="0"/>
+              <a:rPr lang="en-US" altLang="ja-JP" sz="1200" dirty="0" err="1"/>
               <a:t>currentValue</a:t>
             </a:r>
             <a:r>
-              <a:rPr lang="en-US" altLang="ja-JP" sz="1200" dirty="0" smtClean="0"/>
+              <a:rPr lang="en-US" altLang="ja-JP" sz="1200" dirty="0"/>
               <a:t>++</a:t>
             </a:r>
             <a:endParaRPr kumimoji="1" lang="ja-JP" altLang="en-US" sz="1200" dirty="0"/>
@@ -3956,7 +4334,7 @@
 </p:sld>
 </file>
 
-<file path=ppt/slides/slide3.xml><?xml version="1.0" encoding="utf-8"?>
+<file path=ppt/slides/slide4.xml><?xml version="1.0" encoding="utf-8"?>
 <p:sld xmlns:a="http://schemas.openxmlformats.org/drawingml/2006/main" xmlns:r="http://schemas.openxmlformats.org/officeDocument/2006/relationships" xmlns:p="http://schemas.openxmlformats.org/presentationml/2006/main">
   <p:cSld>
     <p:spTree>
@@ -4007,14 +4385,13 @@
           <a:lstStyle/>
           <a:p>
             <a:r>
-              <a:rPr kumimoji="1" lang="en-US" altLang="ja-JP" sz="1200" dirty="0" smtClean="0"/>
+              <a:rPr kumimoji="1" lang="en-US" altLang="ja-JP" sz="1200" dirty="0"/>
               <a:t>Label</a:t>
             </a:r>
             <a:r>
-              <a:rPr kumimoji="1" lang="ja-JP" altLang="en-US" sz="1200" dirty="0" smtClean="0"/>
+              <a:rPr kumimoji="1" lang="ja-JP" altLang="en-US" sz="1200" dirty="0"/>
               <a:t>コントロール</a:t>
             </a:r>
-            <a:endParaRPr kumimoji="1" lang="ja-JP" altLang="en-US" sz="1200" dirty="0"/>
           </a:p>
         </p:txBody>
       </p:sp>
@@ -4055,7 +4432,7 @@
           <a:p>
             <a:pPr algn="ctr"/>
             <a:r>
-              <a:rPr lang="en-US" altLang="ja-JP" sz="1200" dirty="0" smtClean="0"/>
+              <a:rPr lang="en-US" altLang="ja-JP" sz="1200" dirty="0"/>
               <a:t>"2"</a:t>
             </a:r>
             <a:endParaRPr kumimoji="1" lang="ja-JP" altLang="en-US" sz="1200" dirty="0"/>
@@ -4085,14 +4462,13 @@
           <a:lstStyle/>
           <a:p>
             <a:r>
-              <a:rPr kumimoji="1" lang="en-US" altLang="ja-JP" sz="1200" dirty="0" smtClean="0"/>
+              <a:rPr kumimoji="1" lang="en-US" altLang="ja-JP" sz="1200" dirty="0"/>
               <a:t>Text</a:t>
             </a:r>
             <a:r>
-              <a:rPr kumimoji="1" lang="ja-JP" altLang="en-US" sz="1200" dirty="0" smtClean="0"/>
+              <a:rPr kumimoji="1" lang="ja-JP" altLang="en-US" sz="1200" dirty="0"/>
               <a:t>プロパティ</a:t>
             </a:r>
-            <a:endParaRPr kumimoji="1" lang="ja-JP" altLang="en-US" sz="1200" dirty="0"/>
           </a:p>
         </p:txBody>
       </p:sp>
@@ -4130,14 +4506,13 @@
           <a:lstStyle/>
           <a:p>
             <a:r>
-              <a:rPr kumimoji="1" lang="en-US" altLang="ja-JP" sz="1200" dirty="0" err="1" smtClean="0"/>
+              <a:rPr kumimoji="1" lang="en-US" altLang="ja-JP" sz="1200" dirty="0" err="1"/>
               <a:t>BindingSource</a:t>
             </a:r>
             <a:r>
-              <a:rPr kumimoji="1" lang="ja-JP" altLang="en-US" sz="1200" dirty="0" smtClean="0"/>
+              <a:rPr kumimoji="1" lang="ja-JP" altLang="en-US" sz="1200" dirty="0"/>
               <a:t>コントロール</a:t>
             </a:r>
-            <a:endParaRPr kumimoji="1" lang="ja-JP" altLang="en-US" sz="1200" dirty="0"/>
           </a:p>
         </p:txBody>
       </p:sp>
@@ -4175,14 +4550,13 @@
           <a:lstStyle/>
           <a:p>
             <a:r>
-              <a:rPr kumimoji="1" lang="en-US" altLang="ja-JP" sz="1200" dirty="0" err="1" smtClean="0"/>
+              <a:rPr kumimoji="1" lang="en-US" altLang="ja-JP" sz="1200" dirty="0" err="1"/>
               <a:t>AppModel</a:t>
             </a:r>
             <a:r>
-              <a:rPr kumimoji="1" lang="ja-JP" altLang="en-US" sz="1200" dirty="0" smtClean="0"/>
+              <a:rPr kumimoji="1" lang="ja-JP" altLang="en-US" sz="1200" dirty="0"/>
               <a:t>オブジェクト</a:t>
             </a:r>
-            <a:endParaRPr kumimoji="1" lang="ja-JP" altLang="en-US" sz="1200" dirty="0"/>
           </a:p>
         </p:txBody>
       </p:sp>
@@ -4224,18 +4598,14 @@
             <a:pPr algn="ctr"/>
             <a:r>
               <a:rPr lang="en-US" altLang="ja-JP" sz="1200" dirty="0"/>
-              <a:t> </a:t>
-            </a:r>
-            <a:r>
-              <a:rPr lang="en-US" altLang="ja-JP" sz="1200" dirty="0" smtClean="0"/>
-              <a:t>1 </a:t>
-            </a:r>
-            <a:r>
-              <a:rPr lang="ja-JP" altLang="en-US" sz="1200" dirty="0" smtClean="0"/>
+              <a:t> 1 </a:t>
+            </a:r>
+            <a:r>
+              <a:rPr lang="ja-JP" altLang="en-US" sz="1200" dirty="0"/>
               <a:t>→</a:t>
             </a:r>
             <a:r>
-              <a:rPr lang="en-US" altLang="ja-JP" sz="1200" dirty="0" smtClean="0"/>
+              <a:rPr lang="en-US" altLang="ja-JP" sz="1200" dirty="0"/>
               <a:t> 2</a:t>
             </a:r>
             <a:endParaRPr kumimoji="1" lang="ja-JP" altLang="en-US" sz="1200" dirty="0"/>
@@ -4265,14 +4635,13 @@
           <a:lstStyle/>
           <a:p>
             <a:r>
-              <a:rPr lang="en-US" altLang="ja-JP" sz="1200" dirty="0" err="1" smtClean="0"/>
+              <a:rPr lang="en-US" altLang="ja-JP" sz="1200" dirty="0" err="1"/>
               <a:t>CurrentValue</a:t>
             </a:r>
             <a:r>
-              <a:rPr kumimoji="1" lang="ja-JP" altLang="en-US" sz="1200" dirty="0" smtClean="0"/>
+              <a:rPr kumimoji="1" lang="ja-JP" altLang="en-US" sz="1200" dirty="0"/>
               <a:t>プロパティ</a:t>
             </a:r>
-            <a:endParaRPr kumimoji="1" lang="ja-JP" altLang="en-US" sz="1200" dirty="0"/>
           </a:p>
         </p:txBody>
       </p:sp>
@@ -4320,40 +4689,36 @@
           <a:lstStyle/>
           <a:p>
             <a:r>
-              <a:rPr kumimoji="1" lang="en-US" altLang="ja-JP" sz="1200" dirty="0" err="1" smtClean="0"/>
+              <a:rPr kumimoji="1" lang="en-US" altLang="ja-JP" sz="1200" dirty="0" err="1"/>
               <a:t>PropertyChanged</a:t>
             </a:r>
-            <a:endParaRPr kumimoji="1" lang="en-US" altLang="ja-JP" sz="1200" dirty="0" smtClean="0"/>
-          </a:p>
-          <a:p>
-            <a:r>
-              <a:rPr lang="ja-JP" altLang="en-US" sz="1200" dirty="0" smtClean="0"/>
+            <a:endParaRPr kumimoji="1" lang="en-US" altLang="ja-JP" sz="1200" dirty="0"/>
+          </a:p>
+          <a:p>
+            <a:r>
+              <a:rPr lang="ja-JP" altLang="en-US" sz="1200" dirty="0"/>
               <a:t>  </a:t>
             </a:r>
             <a:r>
-              <a:rPr lang="ja-JP" altLang="en-US" sz="1000" dirty="0" smtClean="0"/>
+              <a:rPr lang="ja-JP" altLang="en-US" sz="1000" dirty="0"/>
               <a:t>プロパティ名</a:t>
             </a:r>
             <a:r>
-              <a:rPr lang="en-US" altLang="ja-JP" sz="1000" dirty="0" smtClean="0"/>
+              <a:rPr lang="en-US" altLang="ja-JP" sz="1000" dirty="0"/>
               <a:t>=</a:t>
             </a:r>
           </a:p>
           <a:p>
             <a:r>
               <a:rPr lang="en-US" altLang="ja-JP" sz="1000" dirty="0"/>
-              <a:t> </a:t>
-            </a:r>
-            <a:r>
-              <a:rPr lang="en-US" altLang="ja-JP" sz="1000" dirty="0" smtClean="0"/>
-              <a:t>   ”</a:t>
-            </a:r>
-            <a:r>
-              <a:rPr lang="en-US" altLang="ja-JP" sz="1000" dirty="0" err="1" smtClean="0"/>
+              <a:t>    ”</a:t>
+            </a:r>
+            <a:r>
+              <a:rPr lang="en-US" altLang="ja-JP" sz="1000" dirty="0" err="1"/>
               <a:t>CurrentValue</a:t>
             </a:r>
             <a:r>
-              <a:rPr lang="en-US" altLang="ja-JP" sz="1000" dirty="0" smtClean="0"/>
+              <a:rPr lang="en-US" altLang="ja-JP" sz="1000" dirty="0"/>
               <a:t>”</a:t>
             </a:r>
             <a:endParaRPr kumimoji="1" lang="ja-JP" altLang="en-US" sz="1000" dirty="0"/>
@@ -4551,7 +4916,7 @@
           <a:p>
             <a:pPr algn="ctr"/>
             <a:r>
-              <a:rPr kumimoji="1" lang="en-US" altLang="ja-JP" sz="1200" dirty="0" smtClean="0"/>
+              <a:rPr kumimoji="1" lang="en-US" altLang="ja-JP" sz="1200" dirty="0"/>
               <a:t>2</a:t>
             </a:r>
             <a:endParaRPr kumimoji="1" lang="ja-JP" altLang="en-US" sz="1200" dirty="0"/>
@@ -4594,7 +4959,7 @@
           <a:lstStyle/>
           <a:p>
             <a:r>
-              <a:rPr kumimoji="1" lang="en-US" altLang="ja-JP" sz="1200" dirty="0" err="1" smtClean="0"/>
+              <a:rPr kumimoji="1" lang="en-US" altLang="ja-JP" sz="1200" dirty="0" err="1"/>
               <a:t>get:CurrentValue</a:t>
             </a:r>
             <a:endParaRPr kumimoji="1" lang="ja-JP" altLang="en-US" sz="1200" dirty="0"/>
@@ -4637,7 +5002,7 @@
           <a:lstStyle/>
           <a:p>
             <a:r>
-              <a:rPr kumimoji="1" lang="en-US" altLang="ja-JP" sz="1200" dirty="0" smtClean="0"/>
+              <a:rPr kumimoji="1" lang="en-US" altLang="ja-JP" sz="1200" dirty="0"/>
               <a:t>2</a:t>
             </a:r>
             <a:endParaRPr kumimoji="1" lang="ja-JP" altLang="en-US" sz="1200" dirty="0"/>
@@ -4768,45 +5133,40 @@
           <a:lstStyle/>
           <a:p>
             <a:r>
-              <a:rPr kumimoji="1" lang="en-US" altLang="ja-JP" sz="1000" dirty="0" smtClean="0"/>
+              <a:rPr kumimoji="1" lang="en-US" altLang="ja-JP" sz="1000" dirty="0"/>
               <a:t>1. </a:t>
             </a:r>
             <a:r>
-              <a:rPr kumimoji="1" lang="en-US" altLang="ja-JP" sz="1000" dirty="0" err="1" smtClean="0"/>
+              <a:rPr kumimoji="1" lang="en-US" altLang="ja-JP" sz="1000" dirty="0" err="1"/>
               <a:t>CurrentValue</a:t>
             </a:r>
             <a:r>
-              <a:rPr kumimoji="1" lang="ja-JP" altLang="en-US" sz="1000" dirty="0" smtClean="0"/>
+              <a:rPr kumimoji="1" lang="ja-JP" altLang="en-US" sz="1000" dirty="0"/>
               <a:t>プロパティが</a:t>
             </a:r>
-            <a:endParaRPr kumimoji="1" lang="en-US" altLang="ja-JP" sz="1000" dirty="0" smtClean="0"/>
+            <a:endParaRPr kumimoji="1" lang="en-US" altLang="ja-JP" sz="1000" dirty="0"/>
           </a:p>
           <a:p>
             <a:r>
               <a:rPr lang="ja-JP" altLang="en-US" sz="1000" dirty="0"/>
-              <a:t>　</a:t>
-            </a:r>
-            <a:r>
-              <a:rPr lang="ja-JP" altLang="en-US" sz="1000" dirty="0" smtClean="0"/>
-              <a:t> </a:t>
-            </a:r>
-            <a:r>
-              <a:rPr kumimoji="1" lang="en-US" altLang="ja-JP" sz="1000" dirty="0" smtClean="0"/>
+              <a:t>　 </a:t>
+            </a:r>
+            <a:r>
+              <a:rPr kumimoji="1" lang="en-US" altLang="ja-JP" sz="1000" dirty="0"/>
               <a:t>1</a:t>
             </a:r>
             <a:r>
-              <a:rPr kumimoji="1" lang="ja-JP" altLang="en-US" sz="1000" dirty="0" smtClean="0"/>
+              <a:rPr kumimoji="1" lang="ja-JP" altLang="en-US" sz="1000" dirty="0"/>
               <a:t>から</a:t>
             </a:r>
             <a:r>
-              <a:rPr kumimoji="1" lang="en-US" altLang="ja-JP" sz="1000" dirty="0" smtClean="0"/>
+              <a:rPr kumimoji="1" lang="en-US" altLang="ja-JP" sz="1000" dirty="0"/>
               <a:t>2</a:t>
             </a:r>
             <a:r>
-              <a:rPr kumimoji="1" lang="ja-JP" altLang="en-US" sz="1000" dirty="0" smtClean="0"/>
+              <a:rPr kumimoji="1" lang="ja-JP" altLang="en-US" sz="1000" dirty="0"/>
               <a:t>に変更される</a:t>
             </a:r>
-            <a:endParaRPr kumimoji="1" lang="ja-JP" altLang="en-US" sz="1000" dirty="0"/>
           </a:p>
         </p:txBody>
       </p:sp>
@@ -4851,18 +5211,17 @@
           <a:lstStyle/>
           <a:p>
             <a:r>
-              <a:rPr kumimoji="1" lang="en-US" altLang="ja-JP" sz="1000" dirty="0" smtClean="0"/>
+              <a:rPr kumimoji="1" lang="en-US" altLang="ja-JP" sz="1000" dirty="0"/>
               <a:t>2. </a:t>
             </a:r>
             <a:r>
-              <a:rPr kumimoji="1" lang="en-US" altLang="ja-JP" sz="1000" dirty="0" err="1" smtClean="0"/>
+              <a:rPr kumimoji="1" lang="en-US" altLang="ja-JP" sz="1000" dirty="0" err="1"/>
               <a:t>PropertyChanged</a:t>
             </a:r>
             <a:r>
-              <a:rPr kumimoji="1" lang="ja-JP" altLang="en-US" sz="1000" dirty="0" smtClean="0"/>
+              <a:rPr kumimoji="1" lang="ja-JP" altLang="en-US" sz="1000" dirty="0"/>
               <a:t>イベント発生</a:t>
             </a:r>
-            <a:endParaRPr kumimoji="1" lang="ja-JP" altLang="en-US" sz="1000" dirty="0"/>
           </a:p>
         </p:txBody>
       </p:sp>
@@ -4911,33 +5270,28 @@
               <a:t>4</a:t>
             </a:r>
             <a:r>
-              <a:rPr kumimoji="1" lang="en-US" altLang="ja-JP" sz="1000" dirty="0" smtClean="0"/>
+              <a:rPr kumimoji="1" lang="en-US" altLang="ja-JP" sz="1000" dirty="0"/>
               <a:t>. </a:t>
             </a:r>
             <a:r>
-              <a:rPr kumimoji="1" lang="ja-JP" altLang="en-US" sz="1000" dirty="0" smtClean="0"/>
+              <a:rPr kumimoji="1" lang="ja-JP" altLang="en-US" sz="1000" dirty="0"/>
               <a:t>データバインド設定されたコントロールの</a:t>
             </a:r>
-            <a:endParaRPr lang="en-US" altLang="ja-JP" sz="1000" dirty="0" smtClean="0"/>
+            <a:endParaRPr lang="en-US" altLang="ja-JP" sz="1000" dirty="0"/>
           </a:p>
           <a:p>
             <a:r>
               <a:rPr kumimoji="1" lang="ja-JP" altLang="en-US" sz="1000" dirty="0"/>
-              <a:t>　</a:t>
-            </a:r>
-            <a:r>
-              <a:rPr kumimoji="1" lang="ja-JP" altLang="en-US" sz="1000" dirty="0" smtClean="0"/>
-              <a:t> プロパティに</a:t>
-            </a:r>
-            <a:r>
-              <a:rPr kumimoji="1" lang="ja-JP" altLang="en-US" sz="1000" smtClean="0"/>
+              <a:t>　 プロパティに</a:t>
+            </a:r>
+            <a:r>
+              <a:rPr kumimoji="1" lang="ja-JP" altLang="en-US" sz="1000"/>
               <a:t>取得したプロパティ値</a:t>
             </a:r>
             <a:r>
-              <a:rPr kumimoji="1" lang="ja-JP" altLang="en-US" sz="1000" dirty="0" smtClean="0"/>
+              <a:rPr kumimoji="1" lang="ja-JP" altLang="en-US" sz="1000" dirty="0"/>
               <a:t>を設定</a:t>
             </a:r>
-            <a:endParaRPr kumimoji="1" lang="ja-JP" altLang="en-US" sz="1000" dirty="0"/>
           </a:p>
         </p:txBody>
       </p:sp>
@@ -4982,23 +5336,19 @@
           <a:lstStyle/>
           <a:p>
             <a:r>
-              <a:rPr kumimoji="1" lang="en-US" altLang="ja-JP" sz="1000" dirty="0" smtClean="0"/>
+              <a:rPr kumimoji="1" lang="en-US" altLang="ja-JP" sz="1000" dirty="0"/>
               <a:t>3. </a:t>
             </a:r>
             <a:r>
-              <a:rPr lang="ja-JP" altLang="en-US" sz="1000" dirty="0" smtClean="0"/>
+              <a:rPr lang="ja-JP" altLang="en-US" sz="1000" dirty="0"/>
               <a:t>プロパティ名を元に</a:t>
             </a:r>
-            <a:endParaRPr lang="en-US" altLang="ja-JP" sz="1000" dirty="0" smtClean="0"/>
+            <a:endParaRPr lang="en-US" altLang="ja-JP" sz="1000" dirty="0"/>
           </a:p>
           <a:p>
             <a:r>
               <a:rPr lang="ja-JP" altLang="en-US" sz="1000" dirty="0"/>
-              <a:t>　 </a:t>
-            </a:r>
-            <a:r>
-              <a:rPr lang="ja-JP" altLang="en-US" sz="1000" dirty="0" smtClean="0"/>
-              <a:t>プロパティ値取得</a:t>
+              <a:t>　 プロパティ値取得</a:t>
             </a:r>
             <a:endParaRPr kumimoji="1" lang="ja-JP" altLang="en-US" sz="1000" dirty="0"/>
           </a:p>
